--- a/ppt/Final Project Group 1 v1.pptx
+++ b/ppt/Final Project Group 1 v1.pptx
@@ -338,7 +338,7 @@
           <a:p>
             <a:fld id="{FBAFBA1F-CED4-45CC-89CC-38E0D3292786}" type="datetimeFigureOut">
               <a:rPr lang="en-US" smtClean="0"/>
-              <a:t>19-Jul-21</a:t>
+              <a:t>20-Jul-21</a:t>
             </a:fld>
             <a:endParaRPr lang="en-US"/>
           </a:p>
@@ -805,7 +805,7 @@
             <a:fld id="{94EF284B-A536-4129-B3B0-B5ABA5FDC2D4}" type="datetime1">
               <a:rPr lang="en-US" smtClean="0"/>
               <a:pPr/>
-              <a:t>19-Jul-21</a:t>
+              <a:t>20-Jul-21</a:t>
             </a:fld>
             <a:endParaRPr lang="en-US"/>
           </a:p>
@@ -1526,7 +1526,7 @@
             <a:fld id="{D813B121-7DC8-4740-AF23-B2979B0ADE67}" type="datetime1">
               <a:rPr lang="en-US" smtClean="0"/>
               <a:pPr/>
-              <a:t>19-Jul-21</a:t>
+              <a:t>20-Jul-21</a:t>
             </a:fld>
             <a:endParaRPr lang="en-US"/>
           </a:p>
@@ -4201,7 +4201,7 @@
         <p:spPr>
           <a:xfrm>
             <a:off x="3666744" y="1636015"/>
-            <a:ext cx="4608576" cy="3108543"/>
+            <a:ext cx="4608576" cy="3323987"/>
           </a:xfrm>
           <a:prstGeom prst="rect">
             <a:avLst/>
@@ -4393,6 +4393,8 @@
               </a:rPr>
               <a:t>	</a:t>
             </a:r>
+          </a:p>
+          <a:p>
             <a:r>
               <a:rPr lang="es-ES" sz="1400" dirty="0" err="1">
                 <a:latin typeface="Arial" panose="020B0604020202020204" pitchFamily="34" charset="0"/>
@@ -4574,8 +4576,8 @@
         </p:nvSpPr>
         <p:spPr>
           <a:xfrm>
-            <a:off x="4572000" y="2269949"/>
-            <a:ext cx="3962923" cy="984885"/>
+            <a:off x="4486133" y="2114835"/>
+            <a:ext cx="4401015" cy="1661993"/>
           </a:xfrm>
           <a:prstGeom prst="rect">
             <a:avLst/>
@@ -4672,10 +4674,39 @@
           </a:p>
           <a:p>
             <a:pPr marL="1262063" lvl="1" indent="-804863"/>
+            <a:endParaRPr lang="es-ES" sz="1100" i="1" dirty="0">
+              <a:latin typeface="Arial" panose="020B0604020202020204" pitchFamily="34" charset="0"/>
+              <a:cs typeface="Arial" panose="020B0604020202020204" pitchFamily="34" charset="0"/>
+            </a:endParaRPr>
+          </a:p>
+          <a:p>
+            <a:pPr marL="1255713" lvl="1" indent="-1588"/>
             <a:r>
               <a:rPr lang="es-ES" sz="1100" i="1" dirty="0">
                 <a:latin typeface="Arial" panose="020B0604020202020204" pitchFamily="34" charset="0"/>
                 <a:cs typeface="Arial" panose="020B0604020202020204" pitchFamily="34" charset="0"/>
+                <a:hlinkClick r:id="rId2"/>
+              </a:rPr>
+              <a:t>https://www.basketball-reference.com/leagues/NBA_2021.html</a:t>
+            </a:r>
+            <a:endParaRPr lang="es-ES" sz="1100" i="1" dirty="0">
+              <a:latin typeface="Arial" panose="020B0604020202020204" pitchFamily="34" charset="0"/>
+              <a:cs typeface="Arial" panose="020B0604020202020204" pitchFamily="34" charset="0"/>
+            </a:endParaRPr>
+          </a:p>
+          <a:p>
+            <a:pPr marL="1255713" lvl="1" indent="-1588"/>
+            <a:endParaRPr lang="es-ES" sz="1100" i="1" dirty="0">
+              <a:latin typeface="Arial" panose="020B0604020202020204" pitchFamily="34" charset="0"/>
+              <a:cs typeface="Arial" panose="020B0604020202020204" pitchFamily="34" charset="0"/>
+            </a:endParaRPr>
+          </a:p>
+          <a:p>
+            <a:pPr marL="1262063" lvl="1" indent="-804863"/>
+            <a:r>
+              <a:rPr lang="es-ES" sz="1100" i="1" dirty="0">
+                <a:latin typeface="Arial" panose="020B0604020202020204" pitchFamily="34" charset="0"/>
+                <a:cs typeface="Arial" panose="020B0604020202020204" pitchFamily="34" charset="0"/>
               </a:rPr>
               <a:t>	</a:t>
             </a:r>
@@ -4683,7 +4714,7 @@
               <a:rPr lang="es-ES" sz="1100" i="1" dirty="0">
                 <a:latin typeface="Arial" panose="020B0604020202020204" pitchFamily="34" charset="0"/>
                 <a:cs typeface="Arial" panose="020B0604020202020204" pitchFamily="34" charset="0"/>
-                <a:hlinkClick r:id="rId2"/>
+                <a:hlinkClick r:id="rId3"/>
               </a:rPr>
               <a:t>https://hoopshype.com/salaries/players/</a:t>
             </a:r>
@@ -4709,14 +4740,14 @@
           <p:nvPr/>
         </p:nvPicPr>
         <p:blipFill>
-          <a:blip r:embed="rId3"/>
+          <a:blip r:embed="rId4"/>
           <a:stretch>
             <a:fillRect/>
           </a:stretch>
         </p:blipFill>
         <p:spPr>
           <a:xfrm>
-            <a:off x="2777137" y="2841418"/>
+            <a:off x="2586058" y="2410237"/>
             <a:ext cx="1623878" cy="1487889"/>
           </a:xfrm>
           <a:prstGeom prst="rect">
@@ -4739,7 +4770,7 @@
           <p:nvPr/>
         </p:nvPicPr>
         <p:blipFill>
-          <a:blip r:embed="rId4"/>
+          <a:blip r:embed="rId5"/>
           <a:stretch>
             <a:fillRect/>
           </a:stretch>
@@ -4769,7 +4800,7 @@
           <p:nvPr/>
         </p:nvPicPr>
         <p:blipFill>
-          <a:blip r:embed="rId5"/>
+          <a:blip r:embed="rId6"/>
           <a:stretch>
             <a:fillRect/>
           </a:stretch>
@@ -5279,8 +5310,8 @@
           </a:p>
         </p:txBody>
       </p:sp>
-      <mc:AlternateContent xmlns:mc="http://schemas.openxmlformats.org/markup-compatibility/2006">
-        <mc:Choice xmlns:p14="http://schemas.microsoft.com/office/powerpoint/2010/main" xmlns:aink="http://schemas.microsoft.com/office/drawing/2016/ink" Requires="p14 aink">
+      <mc:AlternateContent xmlns:mc="http://schemas.openxmlformats.org/markup-compatibility/2006" xmlns:p14="http://schemas.microsoft.com/office/powerpoint/2010/main" xmlns:aink="http://schemas.microsoft.com/office/drawing/2016/ink">
+        <mc:Choice Requires="p14 aink">
           <p:contentPart p14:bwMode="auto" r:id="rId3">
             <p14:nvContentPartPr>
               <p14:cNvPr id="5" name="Ink 4">
@@ -5299,7 +5330,7 @@
             </p14:xfrm>
           </p:contentPart>
         </mc:Choice>
-        <mc:Fallback>
+        <mc:Fallback xmlns="">
           <p:pic>
             <p:nvPicPr>
               <p:cNvPr id="5" name="Ink 4">
@@ -6102,8 +6133,8 @@
           </a:prstGeom>
         </p:spPr>
       </p:pic>
-      <mc:AlternateContent xmlns:mc="http://schemas.openxmlformats.org/markup-compatibility/2006">
-        <mc:Choice xmlns:p14="http://schemas.microsoft.com/office/powerpoint/2010/main" Requires="p14">
+      <mc:AlternateContent xmlns:mc="http://schemas.openxmlformats.org/markup-compatibility/2006" xmlns:p14="http://schemas.microsoft.com/office/powerpoint/2010/main">
+        <mc:Choice Requires="p14">
           <p:contentPart p14:bwMode="auto" r:id="rId6">
             <p14:nvContentPartPr>
               <p14:cNvPr id="9" name="Ink 8">
@@ -6122,7 +6153,7 @@
             </p14:xfrm>
           </p:contentPart>
         </mc:Choice>
-        <mc:Fallback>
+        <mc:Fallback xmlns="">
           <p:pic>
             <p:nvPicPr>
               <p:cNvPr id="9" name="Ink 8">
@@ -6153,8 +6184,8 @@
           </p:pic>
         </mc:Fallback>
       </mc:AlternateContent>
-      <mc:AlternateContent xmlns:mc="http://schemas.openxmlformats.org/markup-compatibility/2006">
-        <mc:Choice xmlns:p14="http://schemas.microsoft.com/office/powerpoint/2010/main" xmlns:aink="http://schemas.microsoft.com/office/drawing/2016/ink" Requires="p14 aink">
+      <mc:AlternateContent xmlns:mc="http://schemas.openxmlformats.org/markup-compatibility/2006" xmlns:p14="http://schemas.microsoft.com/office/powerpoint/2010/main" xmlns:aink="http://schemas.microsoft.com/office/drawing/2016/ink">
+        <mc:Choice Requires="p14 aink">
           <p:contentPart p14:bwMode="auto" r:id="rId8">
             <p14:nvContentPartPr>
               <p14:cNvPr id="5" name="Ink 4">
@@ -6173,7 +6204,7 @@
             </p14:xfrm>
           </p:contentPart>
         </mc:Choice>
-        <mc:Fallback>
+        <mc:Fallback xmlns="">
           <p:pic>
             <p:nvPicPr>
               <p:cNvPr id="5" name="Ink 4">
@@ -6204,8 +6235,8 @@
           </p:pic>
         </mc:Fallback>
       </mc:AlternateContent>
-      <mc:AlternateContent xmlns:mc="http://schemas.openxmlformats.org/markup-compatibility/2006">
-        <mc:Choice xmlns:p14="http://schemas.microsoft.com/office/powerpoint/2010/main" xmlns:aink="http://schemas.microsoft.com/office/drawing/2016/ink" Requires="p14 aink">
+      <mc:AlternateContent xmlns:mc="http://schemas.openxmlformats.org/markup-compatibility/2006" xmlns:p14="http://schemas.microsoft.com/office/powerpoint/2010/main" xmlns:aink="http://schemas.microsoft.com/office/drawing/2016/ink">
+        <mc:Choice Requires="p14 aink">
           <p:contentPart p14:bwMode="auto" r:id="rId10">
             <p14:nvContentPartPr>
               <p14:cNvPr id="7" name="Ink 6">
@@ -6224,7 +6255,7 @@
             </p14:xfrm>
           </p:contentPart>
         </mc:Choice>
-        <mc:Fallback>
+        <mc:Fallback xmlns="">
           <p:pic>
             <p:nvPicPr>
               <p:cNvPr id="7" name="Ink 6">
